--- a/非eps/implementation.pptx
+++ b/非eps/implementation.pptx
@@ -5506,7 +5506,7 @@
         <p:spPr>
           <a:xfrm>
             <a:off x="2964336" y="975189"/>
-            <a:ext cx="697627" cy="461665"/>
+            <a:ext cx="851515" cy="461665"/>
           </a:xfrm>
           <a:prstGeom prst="rect">
             <a:avLst/>
@@ -5520,8 +5520,8 @@
           <a:lstStyle/>
           <a:p>
             <a:r>
-              <a:rPr kumimoji="1" lang="en-US" altLang="zh-CN" sz="2400" b="1" dirty="0" smtClean="0"/>
-              <a:t>BDS</a:t>
+              <a:rPr kumimoji="1" lang="en-US" altLang="zh-CN" sz="2400" b="1" smtClean="0"/>
+              <a:t>BDS+</a:t>
             </a:r>
             <a:endParaRPr kumimoji="1" lang="zh-CN" altLang="en-US" sz="2400" b="1" dirty="0"/>
           </a:p>
